--- a/PIP2001_Review-1_PPT_Template[2] (6).pptx
+++ b/PIP2001_Review-1_PPT_Template[2] (6).pptx
@@ -5,7 +5,7 @@
     <p:sldMasterId id="2147483660" r:id="rId1"/>
   </p:sldMasterIdLst>
   <p:notesMasterIdLst>
-    <p:notesMasterId r:id="rId18"/>
+    <p:notesMasterId r:id="rId20"/>
   </p:notesMasterIdLst>
   <p:sldIdLst>
     <p:sldId id="256" r:id="rId2"/>
@@ -20,10 +20,12 @@
     <p:sldId id="271" r:id="rId11"/>
     <p:sldId id="285" r:id="rId12"/>
     <p:sldId id="286" r:id="rId13"/>
-    <p:sldId id="287" r:id="rId14"/>
-    <p:sldId id="268" r:id="rId15"/>
-    <p:sldId id="288" r:id="rId16"/>
-    <p:sldId id="266" r:id="rId17"/>
+    <p:sldId id="289" r:id="rId14"/>
+    <p:sldId id="290" r:id="rId15"/>
+    <p:sldId id="287" r:id="rId16"/>
+    <p:sldId id="268" r:id="rId17"/>
+    <p:sldId id="288" r:id="rId18"/>
+    <p:sldId id="266" r:id="rId19"/>
   </p:sldIdLst>
   <p:sldSz cx="12192000" cy="6858000"/>
   <p:notesSz cx="6858000" cy="9144000"/>
@@ -271,7 +273,7 @@
           <a:p>
             <a:fld id="{1B8AD288-E15B-4271-B55D-DDB1B43DC8BE}" type="datetimeFigureOut">
               <a:rPr lang="en-IN" smtClean="0"/>
-              <a:t>21-10-2024</a:t>
+              <a:t>21-01-2025</a:t>
             </a:fld>
             <a:endParaRPr lang="en-IN"/>
           </a:p>
@@ -949,7 +951,7 @@
           <a:p>
             <a:fld id="{4994CE30-7D40-4BC0-BA0D-56C992D5B4BD}" type="datetimeFigureOut">
               <a:rPr lang="en-GB" smtClean="0"/>
-              <a:t>21/10/2024</a:t>
+              <a:t>21/01/2025</a:t>
             </a:fld>
             <a:endParaRPr lang="en-GB"/>
           </a:p>
@@ -1117,7 +1119,7 @@
           <a:p>
             <a:fld id="{4994CE30-7D40-4BC0-BA0D-56C992D5B4BD}" type="datetimeFigureOut">
               <a:rPr lang="en-GB" smtClean="0"/>
-              <a:t>21/10/2024</a:t>
+              <a:t>21/01/2025</a:t>
             </a:fld>
             <a:endParaRPr lang="en-GB"/>
           </a:p>
@@ -1295,7 +1297,7 @@
           <a:p>
             <a:fld id="{4994CE30-7D40-4BC0-BA0D-56C992D5B4BD}" type="datetimeFigureOut">
               <a:rPr lang="en-GB" smtClean="0"/>
-              <a:t>21/10/2024</a:t>
+              <a:t>21/01/2025</a:t>
             </a:fld>
             <a:endParaRPr lang="en-GB"/>
           </a:p>
@@ -1510,7 +1512,7 @@
           <a:p>
             <a:fld id="{4994CE30-7D40-4BC0-BA0D-56C992D5B4BD}" type="datetimeFigureOut">
               <a:rPr lang="en-GB" smtClean="0"/>
-              <a:t>21/10/2024</a:t>
+              <a:t>21/01/2025</a:t>
             </a:fld>
             <a:endParaRPr lang="en-GB"/>
           </a:p>
@@ -1755,7 +1757,7 @@
           <a:p>
             <a:fld id="{4994CE30-7D40-4BC0-BA0D-56C992D5B4BD}" type="datetimeFigureOut">
               <a:rPr lang="en-GB" smtClean="0"/>
-              <a:t>21/10/2024</a:t>
+              <a:t>21/01/2025</a:t>
             </a:fld>
             <a:endParaRPr lang="en-GB"/>
           </a:p>
@@ -2049,7 +2051,7 @@
           <a:p>
             <a:fld id="{4994CE30-7D40-4BC0-BA0D-56C992D5B4BD}" type="datetimeFigureOut">
               <a:rPr lang="en-GB" smtClean="0"/>
-              <a:t>21/10/2024</a:t>
+              <a:t>21/01/2025</a:t>
             </a:fld>
             <a:endParaRPr lang="en-GB"/>
           </a:p>
@@ -2477,7 +2479,7 @@
           <a:p>
             <a:fld id="{4994CE30-7D40-4BC0-BA0D-56C992D5B4BD}" type="datetimeFigureOut">
               <a:rPr lang="en-GB" smtClean="0"/>
-              <a:t>21/10/2024</a:t>
+              <a:t>21/01/2025</a:t>
             </a:fld>
             <a:endParaRPr lang="en-GB"/>
           </a:p>
@@ -2599,7 +2601,7 @@
           <a:p>
             <a:fld id="{4994CE30-7D40-4BC0-BA0D-56C992D5B4BD}" type="datetimeFigureOut">
               <a:rPr lang="en-GB" smtClean="0"/>
-              <a:t>21/10/2024</a:t>
+              <a:t>21/01/2025</a:t>
             </a:fld>
             <a:endParaRPr lang="en-GB"/>
           </a:p>
@@ -2735,7 +2737,7 @@
           <a:p>
             <a:fld id="{4994CE30-7D40-4BC0-BA0D-56C992D5B4BD}" type="datetimeFigureOut">
               <a:rPr lang="en-GB" smtClean="0"/>
-              <a:t>21/10/2024</a:t>
+              <a:t>21/01/2025</a:t>
             </a:fld>
             <a:endParaRPr lang="en-GB"/>
           </a:p>
@@ -3010,7 +3012,7 @@
           <a:p>
             <a:fld id="{4994CE30-7D40-4BC0-BA0D-56C992D5B4BD}" type="datetimeFigureOut">
               <a:rPr lang="en-GB" smtClean="0"/>
-              <a:t>21/10/2024</a:t>
+              <a:t>21/01/2025</a:t>
             </a:fld>
             <a:endParaRPr lang="en-GB"/>
           </a:p>
@@ -3266,7 +3268,7 @@
           <a:p>
             <a:fld id="{4994CE30-7D40-4BC0-BA0D-56C992D5B4BD}" type="datetimeFigureOut">
               <a:rPr lang="en-GB" smtClean="0"/>
-              <a:t>21/10/2024</a:t>
+              <a:t>21/01/2025</a:t>
             </a:fld>
             <a:endParaRPr lang="en-GB"/>
           </a:p>
@@ -3482,7 +3484,7 @@
           <a:p>
             <a:fld id="{4994CE30-7D40-4BC0-BA0D-56C992D5B4BD}" type="datetimeFigureOut">
               <a:rPr lang="en-GB" smtClean="0"/>
-              <a:t>21/10/2024</a:t>
+              <a:t>21/01/2025</a:t>
             </a:fld>
             <a:endParaRPr lang="en-GB"/>
           </a:p>
@@ -5316,17 +5318,6 @@
               <a:rPr lang="en-IN" dirty="0"/>
               <a:t>Cost Savings</a:t>
             </a:r>
-            <a:endParaRPr kumimoji="0" lang="en-US" altLang="en-US" i="0" u="none" strike="noStrike" cap="none" normalizeH="0" baseline="0" dirty="0">
-              <a:ln>
-                <a:noFill/>
-              </a:ln>
-              <a:solidFill>
-                <a:schemeClr val="tx1"/>
-              </a:solidFill>
-              <a:effectLst/>
-              <a:latin typeface="Times New Roman" panose="02020603050405020304" pitchFamily="18" charset="0"/>
-              <a:cs typeface="Times New Roman" panose="02020603050405020304" pitchFamily="18" charset="0"/>
-            </a:endParaRPr>
           </a:p>
         </p:txBody>
       </p:sp>
@@ -5362,6 +5353,182 @@
       </p:grpSpPr>
       <p:sp>
         <p:nvSpPr>
+          <p:cNvPr id="2" name="Title 1">
+            <a:extLst>
+              <a:ext uri="{FF2B5EF4-FFF2-40B4-BE49-F238E27FC236}">
+                <a16:creationId xmlns:a16="http://schemas.microsoft.com/office/drawing/2014/main" id="{CCC1C4A0-EED9-735D-F490-D409677D75C0}"/>
+              </a:ext>
+            </a:extLst>
+          </p:cNvPr>
+          <p:cNvSpPr>
+            <a:spLocks noGrp="1"/>
+          </p:cNvSpPr>
+          <p:nvPr>
+            <p:ph type="title"/>
+          </p:nvPr>
+        </p:nvSpPr>
+        <p:spPr>
+          <a:xfrm>
+            <a:off x="4165600" y="0"/>
+            <a:ext cx="7721600" cy="487362"/>
+          </a:xfrm>
+        </p:spPr>
+        <p:txBody>
+          <a:bodyPr/>
+          <a:lstStyle/>
+          <a:p>
+            <a:r>
+              <a:rPr lang="en-GB" dirty="0">
+                <a:solidFill>
+                  <a:schemeClr val="tx2"/>
+                </a:solidFill>
+                <a:latin typeface="Times New Roman" panose="02020603050405020304" pitchFamily="18" charset="0"/>
+                <a:cs typeface="Times New Roman" panose="02020603050405020304" pitchFamily="18" charset="0"/>
+              </a:rPr>
+              <a:t>Output of Project</a:t>
+            </a:r>
+            <a:endParaRPr lang="en-IN" dirty="0">
+              <a:solidFill>
+                <a:schemeClr val="tx2"/>
+              </a:solidFill>
+            </a:endParaRPr>
+          </a:p>
+        </p:txBody>
+      </p:sp>
+      <p:pic>
+        <p:nvPicPr>
+          <p:cNvPr id="8" name="Picture 7">
+            <a:extLst>
+              <a:ext uri="{FF2B5EF4-FFF2-40B4-BE49-F238E27FC236}">
+                <a16:creationId xmlns:a16="http://schemas.microsoft.com/office/drawing/2014/main" id="{FA7BC40C-1BD2-3C63-58CF-26AC2E83512B}"/>
+              </a:ext>
+            </a:extLst>
+          </p:cNvPr>
+          <p:cNvPicPr>
+            <a:picLocks noChangeAspect="1"/>
+          </p:cNvPicPr>
+          <p:nvPr/>
+        </p:nvPicPr>
+        <p:blipFill>
+          <a:blip r:embed="rId2">
+            <a:extLst>
+              <a:ext uri="{28A0092B-C50C-407E-A947-70E740481C1C}">
+                <a14:useLocalDpi xmlns:a14="http://schemas.microsoft.com/office/drawing/2010/main" val="0"/>
+              </a:ext>
+            </a:extLst>
+          </a:blip>
+          <a:stretch>
+            <a:fillRect/>
+          </a:stretch>
+        </p:blipFill>
+        <p:spPr>
+          <a:xfrm>
+            <a:off x="0" y="710292"/>
+            <a:ext cx="10865224" cy="5437416"/>
+          </a:xfrm>
+          <a:prstGeom prst="rect">
+            <a:avLst/>
+          </a:prstGeom>
+        </p:spPr>
+      </p:pic>
+    </p:spTree>
+    <p:extLst>
+      <p:ext uri="{BB962C8B-B14F-4D97-AF65-F5344CB8AC3E}">
+        <p14:creationId xmlns:p14="http://schemas.microsoft.com/office/powerpoint/2010/main" val="202985627"/>
+      </p:ext>
+    </p:extLst>
+  </p:cSld>
+  <p:clrMapOvr>
+    <a:masterClrMapping/>
+  </p:clrMapOvr>
+</p:sld>
+</file>
+
+<file path=ppt/slides/slide14.xml><?xml version="1.0" encoding="utf-8"?>
+<p:sld xmlns:a="http://schemas.openxmlformats.org/drawingml/2006/main" xmlns:r="http://schemas.openxmlformats.org/officeDocument/2006/relationships" xmlns:p="http://schemas.openxmlformats.org/presentationml/2006/main">
+  <p:cSld>
+    <p:spTree>
+      <p:nvGrpSpPr>
+        <p:cNvPr id="1" name=""/>
+        <p:cNvGrpSpPr/>
+        <p:nvPr/>
+      </p:nvGrpSpPr>
+      <p:grpSpPr>
+        <a:xfrm>
+          <a:off x="0" y="0"/>
+          <a:ext cx="0" cy="0"/>
+          <a:chOff x="0" y="0"/>
+          <a:chExt cx="0" cy="0"/>
+        </a:xfrm>
+      </p:grpSpPr>
+      <p:pic>
+        <p:nvPicPr>
+          <p:cNvPr id="3" name="Picture 2">
+            <a:extLst>
+              <a:ext uri="{FF2B5EF4-FFF2-40B4-BE49-F238E27FC236}">
+                <a16:creationId xmlns:a16="http://schemas.microsoft.com/office/drawing/2014/main" id="{6AE8861D-D139-3741-424D-42D844420FD4}"/>
+              </a:ext>
+            </a:extLst>
+          </p:cNvPr>
+          <p:cNvPicPr>
+            <a:picLocks noChangeAspect="1"/>
+          </p:cNvPicPr>
+          <p:nvPr/>
+        </p:nvPicPr>
+        <p:blipFill>
+          <a:blip r:embed="rId2">
+            <a:extLst>
+              <a:ext uri="{28A0092B-C50C-407E-A947-70E740481C1C}">
+                <a14:useLocalDpi xmlns:a14="http://schemas.microsoft.com/office/drawing/2010/main" val="0"/>
+              </a:ext>
+            </a:extLst>
+          </a:blip>
+          <a:stretch>
+            <a:fillRect/>
+          </a:stretch>
+        </p:blipFill>
+        <p:spPr>
+          <a:xfrm>
+            <a:off x="0" y="2781"/>
+            <a:ext cx="12192000" cy="6852438"/>
+          </a:xfrm>
+          <a:prstGeom prst="rect">
+            <a:avLst/>
+          </a:prstGeom>
+        </p:spPr>
+      </p:pic>
+    </p:spTree>
+    <p:extLst>
+      <p:ext uri="{BB962C8B-B14F-4D97-AF65-F5344CB8AC3E}">
+        <p14:creationId xmlns:p14="http://schemas.microsoft.com/office/powerpoint/2010/main" val="1248322531"/>
+      </p:ext>
+    </p:extLst>
+  </p:cSld>
+  <p:clrMapOvr>
+    <a:masterClrMapping/>
+  </p:clrMapOvr>
+</p:sld>
+</file>
+
+<file path=ppt/slides/slide15.xml><?xml version="1.0" encoding="utf-8"?>
+<p:sld xmlns:a="http://schemas.openxmlformats.org/drawingml/2006/main" xmlns:r="http://schemas.openxmlformats.org/officeDocument/2006/relationships" xmlns:p="http://schemas.openxmlformats.org/presentationml/2006/main">
+  <p:cSld>
+    <p:spTree>
+      <p:nvGrpSpPr>
+        <p:cNvPr id="1" name=""/>
+        <p:cNvGrpSpPr/>
+        <p:nvPr/>
+      </p:nvGrpSpPr>
+      <p:grpSpPr>
+        <a:xfrm>
+          <a:off x="0" y="0"/>
+          <a:ext cx="0" cy="0"/>
+          <a:chOff x="0" y="0"/>
+          <a:chExt cx="0" cy="0"/>
+        </a:xfrm>
+      </p:grpSpPr>
+      <p:sp>
+        <p:nvSpPr>
           <p:cNvPr id="2" name="Title 1"/>
           <p:cNvSpPr>
             <a:spLocks noGrp="1"/>
@@ -5505,7 +5672,7 @@
 </p:sld>
 </file>
 
-<file path=ppt/slides/slide14.xml><?xml version="1.0" encoding="utf-8"?>
+<file path=ppt/slides/slide16.xml><?xml version="1.0" encoding="utf-8"?>
 <p:sld xmlns:a="http://schemas.openxmlformats.org/drawingml/2006/main" xmlns:r="http://schemas.openxmlformats.org/officeDocument/2006/relationships" xmlns:p="http://schemas.openxmlformats.org/presentationml/2006/main">
   <p:cSld>
     <p:spTree>
@@ -6369,7 +6536,7 @@
               <a:buNone/>
             </a:pPr>
             <a:r>
-              <a:rPr lang="en-US" b="1" dirty="0">
+              <a:rPr lang="en-US" b="1" dirty="0" err="1">
                 <a:solidFill>
                   <a:schemeClr val="accent2">
                     <a:lumMod val="75000"/>
@@ -6379,7 +6546,20 @@
                 <a:ea typeface="Cambria" panose="02040503050406030204" pitchFamily="18" charset="0"/>
                 <a:cs typeface="Times New Roman" panose="02020603050405020304" pitchFamily="18" charset="0"/>
               </a:rPr>
-              <a:t>Github Link</a:t>
+              <a:t>Github</a:t>
+            </a:r>
+            <a:r>
+              <a:rPr lang="en-US" b="1" dirty="0">
+                <a:solidFill>
+                  <a:schemeClr val="accent2">
+                    <a:lumMod val="75000"/>
+                  </a:schemeClr>
+                </a:solidFill>
+                <a:latin typeface="Times New Roman" panose="02020603050405020304" pitchFamily="18" charset="0"/>
+                <a:ea typeface="Cambria" panose="02040503050406030204" pitchFamily="18" charset="0"/>
+                <a:cs typeface="Times New Roman" panose="02020603050405020304" pitchFamily="18" charset="0"/>
+              </a:rPr>
+              <a:t> Link: https://github.com/PrathamUdayG/PresidencyChatBot.git</a:t>
             </a:r>
           </a:p>
           <a:p>
@@ -6462,7 +6642,7 @@
 </p:sld>
 </file>
 
-<file path=ppt/slides/slide15.xml><?xml version="1.0" encoding="utf-8"?>
+<file path=ppt/slides/slide17.xml><?xml version="1.0" encoding="utf-8"?>
 <p:sld xmlns:a="http://schemas.openxmlformats.org/drawingml/2006/main" xmlns:r="http://schemas.openxmlformats.org/officeDocument/2006/relationships" xmlns:p="http://schemas.openxmlformats.org/presentationml/2006/main">
   <p:cSld>
     <p:spTree>
@@ -6856,7 +7036,7 @@
 </p:sld>
 </file>
 
-<file path=ppt/slides/slide16.xml><?xml version="1.0" encoding="utf-8"?>
+<file path=ppt/slides/slide18.xml><?xml version="1.0" encoding="utf-8"?>
 <p:sld xmlns:a="http://schemas.openxmlformats.org/drawingml/2006/main" xmlns:r="http://schemas.openxmlformats.org/officeDocument/2006/relationships" xmlns:p="http://schemas.openxmlformats.org/presentationml/2006/main">
   <p:cSld>
     <p:spTree>
